--- a/수업자료_GM/9. 스크립트객체.pptx
+++ b/수업자료_GM/9. 스크립트객체.pptx
@@ -53,21 +53,16 @@
   <p:notesSz cx="7104063" cy="10234613"/>
   <p:embeddedFontLst>
     <p:embeddedFont>
-      <p:font typeface="맑은 고딕" panose="020B0503020000020004" pitchFamily="50" charset="-127"/>
+      <p:font typeface="Century Schoolbook" panose="020B0600000101010101" charset="0"/>
       <p:regular r:id="rId43"/>
       <p:bold r:id="rId44"/>
-    </p:embeddedFont>
-    <p:embeddedFont>
-      <p:font typeface="Century Schoolbook" panose="020B0600000101010101" charset="0"/>
-      <p:regular r:id="rId45"/>
-      <p:bold r:id="rId46"/>
-      <p:italic r:id="rId47"/>
-      <p:boldItalic r:id="rId48"/>
+      <p:italic r:id="rId45"/>
+      <p:boldItalic r:id="rId46"/>
     </p:embeddedFont>
     <p:embeddedFont>
       <p:font typeface="맑은 고딕" panose="020B0503020000020004" pitchFamily="50" charset="-127"/>
-      <p:regular r:id="rId43"/>
-      <p:bold r:id="rId44"/>
+      <p:regular r:id="rId47"/>
+      <p:bold r:id="rId48"/>
     </p:embeddedFont>
     <p:embeddedFont>
       <p:font typeface="Comic Sans MS" panose="030F0702030302020204" pitchFamily="66" charset="0"/>
@@ -75,6 +70,11 @@
       <p:bold r:id="rId50"/>
       <p:italic r:id="rId51"/>
       <p:boldItalic r:id="rId52"/>
+    </p:embeddedFont>
+    <p:embeddedFont>
+      <p:font typeface="맑은 고딕" panose="020B0503020000020004" pitchFamily="50" charset="-127"/>
+      <p:regular r:id="rId47"/>
+      <p:bold r:id="rId48"/>
     </p:embeddedFont>
   </p:embeddedFontLst>
   <p:defaultTextStyle>
@@ -336,7 +336,7 @@
       </p15:notesGuideLst>
     </p:ext>
     <p:ext uri="http://customooxmlschemas.google.com/">
-      <go:slidesCustomData xmlns:go="http://customooxmlschemas.google.com/" xmlns:ahyp="http://schemas.microsoft.com/office/drawing/2018/hyperlinkcolor" xmlns:p15="http://schemas.microsoft.com/office/powerpoint/2012/main" xmlns:p14="http://schemas.microsoft.com/office/powerpoint/2010/main" xmlns:com="http://schemas.openxmlformats.org/drawingml/2006/compatibility" xmlns:pvml="urn:schemas-microsoft-com:office:powerpoint" xmlns:v="urn:schemas-microsoft-com:vml" xmlns:o="urn:schemas-microsoft-com:office:office" xmlns:dgm="http://schemas.openxmlformats.org/drawingml/2006/diagram" xmlns:c="http://schemas.openxmlformats.org/drawingml/2006/chart" xmlns:mv="urn:schemas-microsoft-com:mac:vml" xmlns:mc="http://schemas.openxmlformats.org/markup-compatibility/2006" xmlns="" r:id="rId53" roundtripDataSignature="AMtx7mgTEu/PU50KGA7eTaprp2xBLlFxMg=="/>
+      <go:slidesCustomData xmlns="" xmlns:mc="http://schemas.openxmlformats.org/markup-compatibility/2006" xmlns:mv="urn:schemas-microsoft-com:mac:vml" xmlns:c="http://schemas.openxmlformats.org/drawingml/2006/chart" xmlns:dgm="http://schemas.openxmlformats.org/drawingml/2006/diagram" xmlns:o="urn:schemas-microsoft-com:office:office" xmlns:v="urn:schemas-microsoft-com:vml" xmlns:pvml="urn:schemas-microsoft-com:office:powerpoint" xmlns:com="http://schemas.openxmlformats.org/drawingml/2006/compatibility" xmlns:p14="http://schemas.microsoft.com/office/powerpoint/2010/main" xmlns:p15="http://schemas.microsoft.com/office/powerpoint/2012/main" xmlns:ahyp="http://schemas.microsoft.com/office/drawing/2018/hyperlinkcolor" xmlns:go="http://customooxmlschemas.google.com/" r:id="rId53" roundtripDataSignature="AMtx7mgTEu/PU50KGA7eTaprp2xBLlFxMg=="/>
     </p:ext>
   </p:extLst>
 </p:presentation>
@@ -8918,19 +8918,11 @@
             </a:r>
             <a:r>
               <a:rPr lang="en-US" dirty="0"/>
-              <a:t>객체 </a:t>
-            </a:r>
-            <a:r>
-              <a:rPr lang="en-US" dirty="0"/>
-              <a:t> </a:t>
+              <a:t>객체  </a:t>
             </a:r>
             <a:r>
               <a:rPr lang="en-US" dirty="0" smtClean="0"/>
-              <a:t>- </a:t>
-            </a:r>
-            <a:r>
-              <a:rPr lang="en-US" dirty="0" smtClean="0"/>
-              <a:t>  new Array();</a:t>
+              <a:t>-   new Array();</a:t>
             </a:r>
             <a:endParaRPr dirty="0"/>
           </a:p>
@@ -17191,7 +17183,7 @@
         </p:nvGraphicFramePr>
         <p:xfrm>
           <a:off x="479496" y="1815127"/>
-          <a:ext cx="3000000" cy="3000000"/>
+          <a:ext cx="10945575" cy="5304250"/>
         </p:xfrm>
         <a:graphic>
           <a:graphicData uri="http://schemas.openxmlformats.org/drawingml/2006/table">
@@ -18278,7 +18270,7 @@
                         <a:buNone/>
                       </a:pPr>
                       <a:r>
-                        <a:rPr lang="en-US" sz="2300" u="none" strike="noStrike" cap="none">
+                        <a:rPr lang="en-US" sz="2300" u="none" strike="noStrike" cap="none" dirty="0">
                           <a:solidFill>
                             <a:schemeClr val="dk1"/>
                           </a:solidFill>
@@ -18289,7 +18281,7 @@
                         </a:rPr>
                         <a:t>0 ~ 999</a:t>
                       </a:r>
-                      <a:endParaRPr sz="2300" u="none" strike="noStrike" cap="none">
+                      <a:endParaRPr sz="2300" u="none" strike="noStrike" cap="none" dirty="0">
                         <a:solidFill>
                           <a:schemeClr val="dk1"/>
                         </a:solidFill>
@@ -18441,7 +18433,7 @@
                         <a:buNone/>
                       </a:pPr>
                       <a:r>
-                        <a:rPr lang="en-US" sz="2300" u="none" strike="noStrike" cap="none">
+                        <a:rPr lang="en-US" sz="2300" u="none" strike="noStrike" cap="none" dirty="0">
                           <a:solidFill>
                             <a:schemeClr val="dk1"/>
                           </a:solidFill>
@@ -18452,7 +18444,7 @@
                         </a:rPr>
                         <a:t>setTime(millisec)</a:t>
                       </a:r>
-                      <a:endParaRPr sz="2300" u="none" strike="noStrike" cap="none">
+                      <a:endParaRPr sz="2300" u="none" strike="noStrike" cap="none" dirty="0">
                         <a:solidFill>
                           <a:schemeClr val="dk1"/>
                         </a:solidFill>
@@ -20075,7 +20067,7 @@
               <a:buNone/>
             </a:pPr>
             <a:r>
-              <a:rPr lang="en-US" sz="2339" b="1">
+              <a:rPr lang="en-US" sz="2339" b="1" dirty="0">
                 <a:solidFill>
                   <a:srgbClr val="0000FF"/>
                 </a:solidFill>
@@ -20086,7 +20078,7 @@
               </a:rPr>
               <a:t>&lt;body&gt;</a:t>
             </a:r>
-            <a:endParaRPr/>
+            <a:endParaRPr dirty="0"/>
           </a:p>
           <a:p>
             <a:pPr marL="127000" marR="0" lvl="0" indent="0" algn="l" rtl="0">
@@ -20107,7 +20099,7 @@
               <a:buNone/>
             </a:pPr>
             <a:r>
-              <a:rPr lang="en-US" sz="2339" b="1">
+              <a:rPr lang="en-US" sz="2339" b="1" dirty="0">
                 <a:solidFill>
                   <a:srgbClr val="000000"/>
                 </a:solidFill>
@@ -20118,7 +20110,7 @@
               </a:rPr>
               <a:t>        구입날짜:</a:t>
             </a:r>
-            <a:endParaRPr/>
+            <a:endParaRPr dirty="0"/>
           </a:p>
           <a:p>
             <a:pPr marL="127000" marR="0" lvl="0" indent="0" algn="l" rtl="0">
@@ -20139,7 +20131,7 @@
               <a:buNone/>
             </a:pPr>
             <a:r>
-              <a:rPr lang="en-US" sz="2339" b="1">
+              <a:rPr lang="en-US" sz="2339" b="1" dirty="0">
                 <a:solidFill>
                   <a:srgbClr val="000000"/>
                 </a:solidFill>
@@ -20151,7 +20143,7 @@
               <a:t>        </a:t>
             </a:r>
             <a:r>
-              <a:rPr lang="en-US" sz="2339" b="1">
+              <a:rPr lang="en-US" sz="2339" b="1" dirty="0">
                 <a:solidFill>
                   <a:srgbClr val="0000FF"/>
                 </a:solidFill>
@@ -20163,7 +20155,7 @@
               <a:t>&lt;input</a:t>
             </a:r>
             <a:r>
-              <a:rPr lang="en-US" sz="2339" b="1">
+              <a:rPr lang="en-US" sz="2339" b="1" dirty="0">
                 <a:solidFill>
                   <a:srgbClr val="000000"/>
                 </a:solidFill>
@@ -20175,7 +20167,7 @@
               <a:t> </a:t>
             </a:r>
             <a:r>
-              <a:rPr lang="en-US" sz="2339" b="1">
+              <a:rPr lang="en-US" sz="2339" b="1" dirty="0">
                 <a:solidFill>
                   <a:srgbClr val="FF0000"/>
                 </a:solidFill>
@@ -20187,7 +20179,7 @@
               <a:t>type</a:t>
             </a:r>
             <a:r>
-              <a:rPr lang="en-US" sz="2339" b="1">
+              <a:rPr lang="en-US" sz="2339" b="1" dirty="0">
                 <a:solidFill>
                   <a:srgbClr val="000000"/>
                 </a:solidFill>
@@ -20199,7 +20191,7 @@
               <a:t>=</a:t>
             </a:r>
             <a:r>
-              <a:rPr lang="en-US" sz="2339" b="1">
+              <a:rPr lang="en-US" sz="2339" b="1" dirty="0">
                 <a:solidFill>
                   <a:srgbClr val="6600FF"/>
                 </a:solidFill>
@@ -20211,7 +20203,7 @@
               <a:t>"date"</a:t>
             </a:r>
             <a:r>
-              <a:rPr lang="en-US" sz="2339" b="1">
+              <a:rPr lang="en-US" sz="2339" b="1" dirty="0">
                 <a:solidFill>
                   <a:srgbClr val="000000"/>
                 </a:solidFill>
@@ -20223,7 +20215,7 @@
               <a:t> </a:t>
             </a:r>
             <a:r>
-              <a:rPr lang="en-US" sz="2339" b="1">
+              <a:rPr lang="en-US" sz="2339" b="1" dirty="0">
                 <a:solidFill>
                   <a:srgbClr val="FF0000"/>
                 </a:solidFill>
@@ -20235,7 +20227,7 @@
               <a:t>id</a:t>
             </a:r>
             <a:r>
-              <a:rPr lang="en-US" sz="2339" b="1">
+              <a:rPr lang="en-US" sz="2339" b="1" dirty="0">
                 <a:solidFill>
                   <a:srgbClr val="000000"/>
                 </a:solidFill>
@@ -20247,7 +20239,7 @@
               <a:t>=</a:t>
             </a:r>
             <a:r>
-              <a:rPr lang="en-US" sz="2339" b="1">
+              <a:rPr lang="en-US" sz="2339" b="1" dirty="0">
                 <a:solidFill>
                   <a:srgbClr val="6600FF"/>
                 </a:solidFill>
@@ -20259,7 +20251,7 @@
               <a:t>"pdate"</a:t>
             </a:r>
             <a:r>
-              <a:rPr lang="en-US" sz="2339" b="1">
+              <a:rPr lang="en-US" sz="2339" b="1" dirty="0">
                 <a:solidFill>
                   <a:srgbClr val="0000FF"/>
                 </a:solidFill>
@@ -20270,7 +20262,7 @@
               </a:rPr>
               <a:t>&gt;</a:t>
             </a:r>
-            <a:endParaRPr/>
+            <a:endParaRPr dirty="0"/>
           </a:p>
           <a:p>
             <a:pPr marL="127000" marR="0" lvl="0" indent="0" algn="l" rtl="0">
@@ -20291,7 +20283,7 @@
               <a:buNone/>
             </a:pPr>
             <a:r>
-              <a:rPr lang="en-US" sz="2339" b="1">
+              <a:rPr lang="en-US" sz="2339" b="1" dirty="0">
                 <a:solidFill>
                   <a:srgbClr val="000000"/>
                 </a:solidFill>
@@ -20303,7 +20295,7 @@
               <a:t>         </a:t>
             </a:r>
             <a:r>
-              <a:rPr lang="en-US" sz="2339" b="1">
+              <a:rPr lang="en-US" sz="2339" b="1" dirty="0">
                 <a:solidFill>
                   <a:srgbClr val="0000FF"/>
                 </a:solidFill>
@@ -20315,7 +20307,7 @@
               <a:t>&lt;button</a:t>
             </a:r>
             <a:r>
-              <a:rPr lang="en-US" sz="2339" b="1">
+              <a:rPr lang="en-US" sz="2339" b="1" dirty="0">
                 <a:solidFill>
                   <a:srgbClr val="000000"/>
                 </a:solidFill>
@@ -20327,7 +20319,7 @@
               <a:t> </a:t>
             </a:r>
             <a:r>
-              <a:rPr lang="en-US" sz="2339" b="1">
+              <a:rPr lang="en-US" sz="2339" b="1" dirty="0">
                 <a:solidFill>
                   <a:srgbClr val="FF0000"/>
                 </a:solidFill>
@@ -20339,7 +20331,7 @@
               <a:t>onclick</a:t>
             </a:r>
             <a:r>
-              <a:rPr lang="en-US" sz="2339" b="1">
+              <a:rPr lang="en-US" sz="2339" b="1" dirty="0">
                 <a:solidFill>
                   <a:srgbClr val="000000"/>
                 </a:solidFill>
@@ -20351,7 +20343,7 @@
               <a:t>=</a:t>
             </a:r>
             <a:r>
-              <a:rPr lang="en-US" sz="2339" b="1">
+              <a:rPr lang="en-US" sz="2339" b="1" dirty="0">
                 <a:solidFill>
                   <a:srgbClr val="6600FF"/>
                 </a:solidFill>
@@ -20363,7 +20355,7 @@
               <a:t>"checkDate()"</a:t>
             </a:r>
             <a:r>
-              <a:rPr lang="en-US" sz="2339" b="1">
+              <a:rPr lang="en-US" sz="2339" b="1" dirty="0">
                 <a:solidFill>
                   <a:srgbClr val="0000FF"/>
                 </a:solidFill>
@@ -20375,7 +20367,7 @@
               <a:t>&gt;</a:t>
             </a:r>
             <a:r>
-              <a:rPr lang="en-US" sz="2339" b="1">
+              <a:rPr lang="en-US" sz="2339" b="1" dirty="0">
                 <a:solidFill>
                   <a:srgbClr val="000000"/>
                 </a:solidFill>
@@ -20387,7 +20379,7 @@
               <a:t>검사</a:t>
             </a:r>
             <a:r>
-              <a:rPr lang="en-US" sz="2339" b="1">
+              <a:rPr lang="en-US" sz="2339" b="1" dirty="0">
                 <a:solidFill>
                   <a:srgbClr val="0000FF"/>
                 </a:solidFill>
@@ -20398,7 +20390,7 @@
               </a:rPr>
               <a:t>&lt;/button&gt;</a:t>
             </a:r>
-            <a:endParaRPr/>
+            <a:endParaRPr dirty="0"/>
           </a:p>
           <a:p>
             <a:pPr marL="127000" marR="0" lvl="0" indent="0" algn="l" rtl="0">
@@ -20419,7 +20411,7 @@
               <a:buNone/>
             </a:pPr>
             <a:r>
-              <a:rPr lang="en-US" sz="2400">
+              <a:rPr lang="en-US" sz="2400" dirty="0">
                 <a:solidFill>
                   <a:srgbClr val="000000"/>
                 </a:solidFill>
@@ -20430,7 +20422,7 @@
               </a:rPr>
               <a:t>     var days = times / (1000*60*60*24);</a:t>
             </a:r>
-            <a:endParaRPr/>
+            <a:endParaRPr dirty="0"/>
           </a:p>
           <a:p>
             <a:pPr marL="127000" marR="0" lvl="0" indent="0" algn="l" rtl="0">
@@ -20451,7 +20443,7 @@
               <a:buNone/>
             </a:pPr>
             <a:r>
-              <a:rPr lang="en-US" sz="2400">
+              <a:rPr lang="en-US" sz="2400" dirty="0">
                 <a:solidFill>
                   <a:srgbClr val="000000"/>
                 </a:solidFill>
@@ -20462,7 +20454,7 @@
               </a:rPr>
               <a:t>      var days = times/1000/60/60/24;</a:t>
             </a:r>
-            <a:endParaRPr sz="2339" b="1">
+            <a:endParaRPr sz="2339" b="1" dirty="0">
               <a:solidFill>
                 <a:srgbClr val="0000FF"/>
               </a:solidFill>
@@ -20491,7 +20483,7 @@
               <a:buNone/>
             </a:pPr>
             <a:r>
-              <a:rPr lang="en-US" sz="2339" b="1">
+              <a:rPr lang="en-US" sz="2339" b="1" dirty="0">
                 <a:solidFill>
                   <a:srgbClr val="0000FF"/>
                 </a:solidFill>
@@ -20502,7 +20494,7 @@
               </a:rPr>
               <a:t>&lt;/body&gt;</a:t>
             </a:r>
-            <a:endParaRPr/>
+            <a:endParaRPr dirty="0"/>
           </a:p>
           <a:p>
             <a:pPr marL="127000" marR="0" lvl="0" indent="0" algn="l" rtl="0">
@@ -20523,7 +20515,7 @@
               <a:buNone/>
             </a:pPr>
             <a:r>
-              <a:rPr lang="en-US" sz="2339" b="1">
+              <a:rPr lang="en-US" sz="2339" b="1" dirty="0">
                 <a:solidFill>
                   <a:srgbClr val="0000FF"/>
                 </a:solidFill>
@@ -20534,7 +20526,7 @@
               </a:rPr>
               <a:t>&lt;/html&gt;              test_date6day.html</a:t>
             </a:r>
-            <a:endParaRPr sz="2339" b="1">
+            <a:endParaRPr sz="2339" b="1" dirty="0">
               <a:solidFill>
                 <a:srgbClr val="0000FF"/>
               </a:solidFill>
@@ -20747,6 +20739,9 @@
           <a:lstStyle/>
           <a:p>
             <a:pPr marL="0" lvl="0" indent="0" algn="l" rtl="0">
+              <a:lnSpc>
+                <a:spcPct val="150000"/>
+              </a:lnSpc>
               <a:spcBef>
                 <a:spcPts val="0"/>
               </a:spcBef>
@@ -20756,10 +20751,13 @@
               <a:buSzPts val="2400"/>
               <a:buNone/>
             </a:pPr>
-            <a:endParaRPr sz="2400"/>
+            <a:endParaRPr sz="2000" dirty="0"/>
           </a:p>
           <a:p>
             <a:pPr marL="0" lvl="0" indent="0" algn="l" rtl="0">
+              <a:lnSpc>
+                <a:spcPct val="150000"/>
+              </a:lnSpc>
               <a:spcBef>
                 <a:spcPts val="560"/>
               </a:spcBef>
@@ -20770,17 +20768,20 @@
               <a:buNone/>
             </a:pPr>
             <a:r>
-              <a:rPr lang="en-US" sz="2400"/>
+              <a:rPr lang="en-US" sz="2000" dirty="0"/>
               <a:t>1. </a:t>
             </a:r>
             <a:r>
-              <a:rPr lang="en-US" sz="2800"/>
+              <a:rPr lang="en-US" sz="2400" dirty="0"/>
               <a:t>id가 pdate인 엘리먼트의 값을 가져와 변수에 대입한다 </a:t>
             </a:r>
-            <a:endParaRPr/>
+            <a:endParaRPr sz="2800" dirty="0"/>
           </a:p>
           <a:p>
             <a:pPr marL="0" lvl="0" indent="0" algn="l" rtl="0">
+              <a:lnSpc>
+                <a:spcPct val="150000"/>
+              </a:lnSpc>
               <a:spcBef>
                 <a:spcPts val="560"/>
               </a:spcBef>
@@ -20791,13 +20792,16 @@
               <a:buNone/>
             </a:pPr>
             <a:r>
-              <a:rPr lang="en-US" sz="2800"/>
+              <a:rPr lang="en-US" sz="2400" dirty="0"/>
               <a:t>2. 1번의 값으로 Date객체를 생성한다 - -pday</a:t>
             </a:r>
-            <a:endParaRPr/>
+            <a:endParaRPr sz="2800" dirty="0"/>
           </a:p>
           <a:p>
             <a:pPr marL="0" lvl="0" indent="0" algn="l" rtl="0">
+              <a:lnSpc>
+                <a:spcPct val="150000"/>
+              </a:lnSpc>
               <a:spcBef>
                 <a:spcPts val="560"/>
               </a:spcBef>
@@ -20808,13 +20812,16 @@
               <a:buNone/>
             </a:pPr>
             <a:r>
-              <a:rPr lang="en-US" sz="2800"/>
+              <a:rPr lang="en-US" sz="2400" dirty="0"/>
               <a:t>3. 오늘의 값으로 Date객체를 생성한다 -today</a:t>
             </a:r>
-            <a:endParaRPr/>
+            <a:endParaRPr sz="2800" dirty="0"/>
           </a:p>
           <a:p>
             <a:pPr marL="0" lvl="0" indent="0" algn="l" rtl="0">
+              <a:lnSpc>
+                <a:spcPct val="150000"/>
+              </a:lnSpc>
               <a:spcBef>
                 <a:spcPts val="560"/>
               </a:spcBef>
@@ -20825,13 +20832,16 @@
               <a:buNone/>
             </a:pPr>
             <a:r>
-              <a:rPr lang="en-US" sz="2800"/>
+              <a:rPr lang="en-US" sz="2400" dirty="0"/>
               <a:t>4. getTime()을 이용하여 3번에서 2번을 뺀 값을 계산 – milisec값</a:t>
             </a:r>
-            <a:endParaRPr sz="2800"/>
+            <a:endParaRPr sz="2400" dirty="0"/>
           </a:p>
           <a:p>
             <a:pPr marL="0" lvl="0" indent="0" algn="l" rtl="0">
+              <a:lnSpc>
+                <a:spcPct val="150000"/>
+              </a:lnSpc>
               <a:spcBef>
                 <a:spcPts val="560"/>
               </a:spcBef>
@@ -20842,13 +20852,16 @@
               <a:buNone/>
             </a:pPr>
             <a:r>
-              <a:rPr lang="en-US" sz="2800"/>
+              <a:rPr lang="en-US" sz="2400" dirty="0"/>
               <a:t>5. 4번의 값으로 하루의 값(milisec)을 계산하여 나눈다   </a:t>
             </a:r>
-            <a:endParaRPr sz="2800"/>
+            <a:endParaRPr sz="2400" dirty="0"/>
           </a:p>
           <a:p>
             <a:pPr marL="0" lvl="0" indent="0" algn="l" rtl="0">
+              <a:lnSpc>
+                <a:spcPct val="150000"/>
+              </a:lnSpc>
               <a:spcBef>
                 <a:spcPts val="560"/>
               </a:spcBef>
@@ -20859,13 +20872,16 @@
               <a:buNone/>
             </a:pPr>
             <a:r>
-              <a:rPr lang="en-US" sz="2800"/>
+              <a:rPr lang="en-US" sz="2400" dirty="0"/>
               <a:t>      time/(1000*60*60*24)      // time에서 일을 구할때는 나누기 </a:t>
             </a:r>
-            <a:endParaRPr sz="2800"/>
+            <a:endParaRPr sz="2400" dirty="0"/>
           </a:p>
           <a:p>
             <a:pPr marL="0" lvl="0" indent="0" algn="l" rtl="0">
+              <a:lnSpc>
+                <a:spcPct val="150000"/>
+              </a:lnSpc>
               <a:spcBef>
                 <a:spcPts val="560"/>
               </a:spcBef>
@@ -20876,13 +20892,16 @@
               <a:buNone/>
             </a:pPr>
             <a:r>
-              <a:rPr lang="en-US" sz="2800"/>
+              <a:rPr lang="en-US" sz="2400" dirty="0"/>
               <a:t>6.  5번의 값이 7보다 큰지 안큰지 비교 </a:t>
             </a:r>
-            <a:endParaRPr/>
+            <a:endParaRPr sz="2800" dirty="0"/>
           </a:p>
           <a:p>
             <a:pPr marL="0" lvl="0" indent="0" algn="l" rtl="0">
+              <a:lnSpc>
+                <a:spcPct val="150000"/>
+              </a:lnSpc>
               <a:spcBef>
                 <a:spcPts val="560"/>
               </a:spcBef>
@@ -20893,13 +20912,16 @@
               <a:buNone/>
             </a:pPr>
             <a:r>
-              <a:rPr lang="en-US" sz="2800"/>
+              <a:rPr lang="en-US" sz="2400" dirty="0"/>
               <a:t>       7보다 크면 교환기간이 지났습니다 </a:t>
             </a:r>
-            <a:endParaRPr/>
+            <a:endParaRPr sz="2800" dirty="0"/>
           </a:p>
           <a:p>
             <a:pPr marL="0" lvl="0" indent="0" algn="l" rtl="0">
+              <a:lnSpc>
+                <a:spcPct val="150000"/>
+              </a:lnSpc>
               <a:spcBef>
                 <a:spcPts val="560"/>
               </a:spcBef>
@@ -20910,14 +20932,14 @@
               <a:buNone/>
             </a:pPr>
             <a:r>
-              <a:rPr lang="en-US" sz="2800"/>
+              <a:rPr lang="en-US" sz="2400" dirty="0"/>
               <a:t>         아니면  교환 가능합니다 </a:t>
             </a:r>
             <a:r>
-              <a:rPr lang="en-US" sz="2400"/>
+              <a:rPr lang="en-US" sz="2000" dirty="0"/>
               <a:t>	</a:t>
             </a:r>
-            <a:endParaRPr/>
+            <a:endParaRPr sz="2800" dirty="0"/>
           </a:p>
         </p:txBody>
       </p:sp>
@@ -21127,7 +21149,7 @@
         </p:nvGraphicFramePr>
         <p:xfrm>
           <a:off x="353104" y="3552077"/>
-          <a:ext cx="3000000" cy="3000000"/>
+          <a:ext cx="11219875" cy="5090985"/>
         </p:xfrm>
         <a:graphic>
           <a:graphicData uri="http://schemas.openxmlformats.org/drawingml/2006/table">
@@ -21799,7 +21821,7 @@
         </p:nvGraphicFramePr>
         <p:xfrm>
           <a:off x="296228" y="1732625"/>
-          <a:ext cx="3000000" cy="3000000"/>
+          <a:ext cx="11264125" cy="6534375"/>
         </p:xfrm>
         <a:graphic>
           <a:graphicData uri="http://schemas.openxmlformats.org/drawingml/2006/table">
